--- a/DETECCIÓN DE ANOMALIAS.pptx
+++ b/DETECCIÓN DE ANOMALIAS.pptx
@@ -10,6 +10,7 @@
     <p:sldId id="258" r:id="rId4"/>
     <p:sldId id="259" r:id="rId5"/>
     <p:sldId id="260" r:id="rId6"/>
+    <p:sldId id="261" r:id="rId7"/>
   </p:sldIdLst>
   <p:sldSz cx="12192000" cy="6858000"/>
   <p:notesSz cx="6858000" cy="9144000"/>
@@ -108,6 +109,11 @@
       </a:defRPr>
     </a:lvl9pPr>
   </p:defaultTextStyle>
+  <p:extLst>
+    <p:ext uri="{EFAFB233-063F-42B5-8137-9DF3F51BA10A}">
+      <p15:sldGuideLst xmlns:p15="http://schemas.microsoft.com/office/powerpoint/2012/main"/>
+    </p:ext>
+  </p:extLst>
 </p:presentation>
 </file>
 
@@ -1521,7 +1527,7 @@
             <a:fld id="{48A87A34-81AB-432B-8DAE-1953F412C126}" type="datetimeFigureOut">
               <a:rPr lang="en-US" dirty="0"/>
               <a:pPr/>
-              <a:t>4/2/2024</a:t>
+              <a:t>4/3/2024</a:t>
             </a:fld>
             <a:endParaRPr lang="en-US" dirty="0"/>
           </a:p>
@@ -2975,7 +2981,7 @@
           <a:p>
             <a:fld id="{48A87A34-81AB-432B-8DAE-1953F412C126}" type="datetimeFigureOut">
               <a:rPr lang="en-US" dirty="0"/>
-              <a:t>4/2/2024</a:t>
+              <a:t>4/3/2024</a:t>
             </a:fld>
             <a:endParaRPr lang="en-US" dirty="0"/>
           </a:p>
@@ -4423,7 +4429,7 @@
           <a:p>
             <a:fld id="{48A87A34-81AB-432B-8DAE-1953F412C126}" type="datetimeFigureOut">
               <a:rPr lang="en-US" dirty="0"/>
-              <a:t>4/2/2024</a:t>
+              <a:t>4/3/2024</a:t>
             </a:fld>
             <a:endParaRPr lang="en-US" dirty="0"/>
           </a:p>
@@ -5873,7 +5879,7 @@
           <a:p>
             <a:fld id="{48A87A34-81AB-432B-8DAE-1953F412C126}" type="datetimeFigureOut">
               <a:rPr lang="en-US" dirty="0"/>
-              <a:t>4/2/2024</a:t>
+              <a:t>4/3/2024</a:t>
             </a:fld>
             <a:endParaRPr lang="en-US" dirty="0"/>
           </a:p>
@@ -7376,7 +7382,7 @@
           <a:p>
             <a:fld id="{48A87A34-81AB-432B-8DAE-1953F412C126}" type="datetimeFigureOut">
               <a:rPr lang="en-US" dirty="0"/>
-              <a:t>4/2/2024</a:t>
+              <a:t>4/3/2024</a:t>
             </a:fld>
             <a:endParaRPr lang="en-US" dirty="0"/>
           </a:p>
@@ -8892,7 +8898,7 @@
           <a:p>
             <a:fld id="{48A87A34-81AB-432B-8DAE-1953F412C126}" type="datetimeFigureOut">
               <a:rPr lang="en-US" dirty="0"/>
-              <a:t>4/2/2024</a:t>
+              <a:t>4/3/2024</a:t>
             </a:fld>
             <a:endParaRPr lang="en-US" dirty="0"/>
           </a:p>
@@ -10552,7 +10558,7 @@
           <a:p>
             <a:fld id="{48A87A34-81AB-432B-8DAE-1953F412C126}" type="datetimeFigureOut">
               <a:rPr lang="en-US" dirty="0"/>
-              <a:t>4/2/2024</a:t>
+              <a:t>4/3/2024</a:t>
             </a:fld>
             <a:endParaRPr lang="en-US" dirty="0"/>
           </a:p>
@@ -11945,7 +11951,7 @@
           <a:p>
             <a:fld id="{48A87A34-81AB-432B-8DAE-1953F412C126}" type="datetimeFigureOut">
               <a:rPr lang="en-US" dirty="0"/>
-              <a:t>4/2/2024</a:t>
+              <a:t>4/3/2024</a:t>
             </a:fld>
             <a:endParaRPr lang="en-US" dirty="0"/>
           </a:p>
@@ -12040,7 +12046,7 @@
           <a:p>
             <a:fld id="{48A87A34-81AB-432B-8DAE-1953F412C126}" type="datetimeFigureOut">
               <a:rPr lang="en-US" dirty="0"/>
-              <a:t>4/2/2024</a:t>
+              <a:t>4/3/2024</a:t>
             </a:fld>
             <a:endParaRPr lang="en-US" dirty="0"/>
           </a:p>
@@ -13561,7 +13567,7 @@
           <a:p>
             <a:fld id="{48A87A34-81AB-432B-8DAE-1953F412C126}" type="datetimeFigureOut">
               <a:rPr lang="en-US" dirty="0"/>
-              <a:t>4/2/2024</a:t>
+              <a:t>4/3/2024</a:t>
             </a:fld>
             <a:endParaRPr lang="en-US" dirty="0"/>
           </a:p>
@@ -15092,7 +15098,7 @@
           <a:p>
             <a:fld id="{48A87A34-81AB-432B-8DAE-1953F412C126}" type="datetimeFigureOut">
               <a:rPr lang="en-US" dirty="0"/>
-              <a:t>4/2/2024</a:t>
+              <a:t>4/3/2024</a:t>
             </a:fld>
             <a:endParaRPr lang="en-US" dirty="0"/>
           </a:p>
@@ -15311,7 +15317,7 @@
             <a:fld id="{48A87A34-81AB-432B-8DAE-1953F412C126}" type="datetimeFigureOut">
               <a:rPr lang="en-US" dirty="0"/>
               <a:pPr/>
-              <a:t>4/2/2024</a:t>
+              <a:t>4/3/2024</a:t>
             </a:fld>
             <a:endParaRPr lang="en-US" dirty="0"/>
           </a:p>
@@ -16252,6 +16258,180 @@
 </p:sld>
 </file>
 
+<file path=ppt/slides/slide6.xml><?xml version="1.0" encoding="utf-8"?>
+<p:sld xmlns:a="http://schemas.openxmlformats.org/drawingml/2006/main" xmlns:r="http://schemas.openxmlformats.org/officeDocument/2006/relationships" xmlns:p="http://schemas.openxmlformats.org/presentationml/2006/main">
+  <p:cSld>
+    <p:spTree>
+      <p:nvGrpSpPr>
+        <p:cNvPr id="1" name=""/>
+        <p:cNvGrpSpPr/>
+        <p:nvPr/>
+      </p:nvGrpSpPr>
+      <p:grpSpPr>
+        <a:xfrm>
+          <a:off x="0" y="0"/>
+          <a:ext cx="0" cy="0"/>
+          <a:chOff x="0" y="0"/>
+          <a:chExt cx="0" cy="0"/>
+        </a:xfrm>
+      </p:grpSpPr>
+      <p:sp>
+        <p:nvSpPr>
+          <p:cNvPr id="2" name="Título 1">
+            <a:extLst>
+              <a:ext uri="{FF2B5EF4-FFF2-40B4-BE49-F238E27FC236}">
+                <a16:creationId xmlns:a16="http://schemas.microsoft.com/office/drawing/2014/main" id="{30C7BEF3-8137-5BBA-45C3-E1EA7BD07627}"/>
+              </a:ext>
+            </a:extLst>
+          </p:cNvPr>
+          <p:cNvSpPr>
+            <a:spLocks noGrp="1"/>
+          </p:cNvSpPr>
+          <p:nvPr>
+            <p:ph type="title"/>
+          </p:nvPr>
+        </p:nvSpPr>
+        <p:spPr/>
+        <p:txBody>
+          <a:bodyPr/>
+          <a:lstStyle/>
+          <a:p>
+            <a:r>
+              <a:rPr lang="es-MX" dirty="0"/>
+              <a:t>Resultados</a:t>
+            </a:r>
+            <a:endParaRPr lang="en-CA" dirty="0"/>
+          </a:p>
+        </p:txBody>
+      </p:sp>
+      <p:sp>
+        <p:nvSpPr>
+          <p:cNvPr id="3" name="Marcador de contenido 2">
+            <a:extLst>
+              <a:ext uri="{FF2B5EF4-FFF2-40B4-BE49-F238E27FC236}">
+                <a16:creationId xmlns:a16="http://schemas.microsoft.com/office/drawing/2014/main" id="{8C99F3CF-CAC5-84F1-FBC1-A6BFBD886FA3}"/>
+              </a:ext>
+            </a:extLst>
+          </p:cNvPr>
+          <p:cNvSpPr>
+            <a:spLocks noGrp="1"/>
+          </p:cNvSpPr>
+          <p:nvPr>
+            <p:ph idx="1"/>
+          </p:nvPr>
+        </p:nvSpPr>
+        <p:spPr/>
+        <p:txBody>
+          <a:bodyPr/>
+          <a:lstStyle/>
+          <a:p>
+            <a:endParaRPr lang="en-CA" dirty="0"/>
+          </a:p>
+        </p:txBody>
+      </p:sp>
+      <p:pic>
+        <p:nvPicPr>
+          <p:cNvPr id="5" name="Imagen 4">
+            <a:extLst>
+              <a:ext uri="{FF2B5EF4-FFF2-40B4-BE49-F238E27FC236}">
+                <a16:creationId xmlns:a16="http://schemas.microsoft.com/office/drawing/2014/main" id="{B6C9C712-44AB-37B1-D7AF-870A875A150A}"/>
+              </a:ext>
+            </a:extLst>
+          </p:cNvPr>
+          <p:cNvPicPr>
+            <a:picLocks noChangeAspect="1"/>
+          </p:cNvPicPr>
+          <p:nvPr/>
+        </p:nvPicPr>
+        <p:blipFill>
+          <a:blip r:embed="rId2"/>
+          <a:stretch>
+            <a:fillRect/>
+          </a:stretch>
+        </p:blipFill>
+        <p:spPr>
+          <a:xfrm>
+            <a:off x="4987180" y="1618943"/>
+            <a:ext cx="6864703" cy="1454225"/>
+          </a:xfrm>
+          <a:prstGeom prst="rect">
+            <a:avLst/>
+          </a:prstGeom>
+        </p:spPr>
+      </p:pic>
+      <p:pic>
+        <p:nvPicPr>
+          <p:cNvPr id="7" name="Imagen 6">
+            <a:extLst>
+              <a:ext uri="{FF2B5EF4-FFF2-40B4-BE49-F238E27FC236}">
+                <a16:creationId xmlns:a16="http://schemas.microsoft.com/office/drawing/2014/main" id="{6945154C-C5A5-1FCB-7BEC-5E65548FA795}"/>
+              </a:ext>
+            </a:extLst>
+          </p:cNvPr>
+          <p:cNvPicPr>
+            <a:picLocks noChangeAspect="1"/>
+          </p:cNvPicPr>
+          <p:nvPr/>
+        </p:nvPicPr>
+        <p:blipFill>
+          <a:blip r:embed="rId3"/>
+          <a:stretch>
+            <a:fillRect/>
+          </a:stretch>
+        </p:blipFill>
+        <p:spPr>
+          <a:xfrm>
+            <a:off x="4980501" y="3298773"/>
+            <a:ext cx="6858352" cy="1301817"/>
+          </a:xfrm>
+          <a:prstGeom prst="rect">
+            <a:avLst/>
+          </a:prstGeom>
+        </p:spPr>
+      </p:pic>
+      <p:pic>
+        <p:nvPicPr>
+          <p:cNvPr id="9" name="Imagen 8">
+            <a:extLst>
+              <a:ext uri="{FF2B5EF4-FFF2-40B4-BE49-F238E27FC236}">
+                <a16:creationId xmlns:a16="http://schemas.microsoft.com/office/drawing/2014/main" id="{43ADD82E-59B1-84DF-CBDC-ECD8CBED7169}"/>
+              </a:ext>
+            </a:extLst>
+          </p:cNvPr>
+          <p:cNvPicPr>
+            <a:picLocks noChangeAspect="1"/>
+          </p:cNvPicPr>
+          <p:nvPr/>
+        </p:nvPicPr>
+        <p:blipFill>
+          <a:blip r:embed="rId4"/>
+          <a:stretch>
+            <a:fillRect/>
+          </a:stretch>
+        </p:blipFill>
+        <p:spPr>
+          <a:xfrm>
+            <a:off x="4987180" y="4826195"/>
+            <a:ext cx="6953607" cy="1225613"/>
+          </a:xfrm>
+          <a:prstGeom prst="rect">
+            <a:avLst/>
+          </a:prstGeom>
+        </p:spPr>
+      </p:pic>
+    </p:spTree>
+    <p:extLst>
+      <p:ext uri="{BB962C8B-B14F-4D97-AF65-F5344CB8AC3E}">
+        <p14:creationId xmlns:p14="http://schemas.microsoft.com/office/powerpoint/2010/main" val="1686832960"/>
+      </p:ext>
+    </p:extLst>
+  </p:cSld>
+  <p:clrMapOvr>
+    <a:masterClrMapping/>
+  </p:clrMapOvr>
+</p:sld>
+</file>
+
 <file path=ppt/theme/theme1.xml><?xml version="1.0" encoding="utf-8"?>
 <a:theme xmlns:a="http://schemas.openxmlformats.org/drawingml/2006/main" name="Atlas">
   <a:themeElements>
